--- a/blog/public/2018/02/14/Introduction-to-Java-Garbage-Collection/Java-GC.pptx
+++ b/blog/public/2018/02/14/Introduction-to-Java-Garbage-Collection/Java-GC.pptx
@@ -111,6 +111,11 @@
       </a:defRPr>
     </a:lvl9pPr>
   </p:defaultTextStyle>
+  <p:extLst>
+    <p:ext uri="{EFAFB233-063F-42B5-8137-9DF3F51BA10A}">
+      <p15:sldGuideLst xmlns:p15="http://schemas.microsoft.com/office/powerpoint/2012/main"/>
+    </p:ext>
+  </p:extLst>
 </p:presentation>
 </file>
 
@@ -245,7 +250,7 @@
           <a:p>
             <a:fld id="{C097F9B7-AC9E-4E27-A8B7-6B234F975BAC}" type="datetimeFigureOut">
               <a:rPr lang="en-US" smtClean="0"/>
-              <a:t>4/9/2018</a:t>
+              <a:t>5/7/2018</a:t>
             </a:fld>
             <a:endParaRPr lang="en-US"/>
           </a:p>
@@ -415,7 +420,7 @@
           <a:p>
             <a:fld id="{C097F9B7-AC9E-4E27-A8B7-6B234F975BAC}" type="datetimeFigureOut">
               <a:rPr lang="en-US" smtClean="0"/>
-              <a:t>4/9/2018</a:t>
+              <a:t>5/7/2018</a:t>
             </a:fld>
             <a:endParaRPr lang="en-US"/>
           </a:p>
@@ -595,7 +600,7 @@
           <a:p>
             <a:fld id="{C097F9B7-AC9E-4E27-A8B7-6B234F975BAC}" type="datetimeFigureOut">
               <a:rPr lang="en-US" smtClean="0"/>
-              <a:t>4/9/2018</a:t>
+              <a:t>5/7/2018</a:t>
             </a:fld>
             <a:endParaRPr lang="en-US"/>
           </a:p>
@@ -765,7 +770,7 @@
           <a:p>
             <a:fld id="{C097F9B7-AC9E-4E27-A8B7-6B234F975BAC}" type="datetimeFigureOut">
               <a:rPr lang="en-US" smtClean="0"/>
-              <a:t>4/9/2018</a:t>
+              <a:t>5/7/2018</a:t>
             </a:fld>
             <a:endParaRPr lang="en-US"/>
           </a:p>
@@ -1011,7 +1016,7 @@
           <a:p>
             <a:fld id="{C097F9B7-AC9E-4E27-A8B7-6B234F975BAC}" type="datetimeFigureOut">
               <a:rPr lang="en-US" smtClean="0"/>
-              <a:t>4/9/2018</a:t>
+              <a:t>5/7/2018</a:t>
             </a:fld>
             <a:endParaRPr lang="en-US"/>
           </a:p>
@@ -1243,7 +1248,7 @@
           <a:p>
             <a:fld id="{C097F9B7-AC9E-4E27-A8B7-6B234F975BAC}" type="datetimeFigureOut">
               <a:rPr lang="en-US" smtClean="0"/>
-              <a:t>4/9/2018</a:t>
+              <a:t>5/7/2018</a:t>
             </a:fld>
             <a:endParaRPr lang="en-US"/>
           </a:p>
@@ -1610,7 +1615,7 @@
           <a:p>
             <a:fld id="{C097F9B7-AC9E-4E27-A8B7-6B234F975BAC}" type="datetimeFigureOut">
               <a:rPr lang="en-US" smtClean="0"/>
-              <a:t>4/9/2018</a:t>
+              <a:t>5/7/2018</a:t>
             </a:fld>
             <a:endParaRPr lang="en-US"/>
           </a:p>
@@ -1728,7 +1733,7 @@
           <a:p>
             <a:fld id="{C097F9B7-AC9E-4E27-A8B7-6B234F975BAC}" type="datetimeFigureOut">
               <a:rPr lang="en-US" smtClean="0"/>
-              <a:t>4/9/2018</a:t>
+              <a:t>5/7/2018</a:t>
             </a:fld>
             <a:endParaRPr lang="en-US"/>
           </a:p>
@@ -1823,7 +1828,7 @@
           <a:p>
             <a:fld id="{C097F9B7-AC9E-4E27-A8B7-6B234F975BAC}" type="datetimeFigureOut">
               <a:rPr lang="en-US" smtClean="0"/>
-              <a:t>4/9/2018</a:t>
+              <a:t>5/7/2018</a:t>
             </a:fld>
             <a:endParaRPr lang="en-US"/>
           </a:p>
@@ -2100,7 +2105,7 @@
           <a:p>
             <a:fld id="{C097F9B7-AC9E-4E27-A8B7-6B234F975BAC}" type="datetimeFigureOut">
               <a:rPr lang="en-US" smtClean="0"/>
-              <a:t>4/9/2018</a:t>
+              <a:t>5/7/2018</a:t>
             </a:fld>
             <a:endParaRPr lang="en-US"/>
           </a:p>
@@ -2353,7 +2358,7 @@
           <a:p>
             <a:fld id="{C097F9B7-AC9E-4E27-A8B7-6B234F975BAC}" type="datetimeFigureOut">
               <a:rPr lang="en-US" smtClean="0"/>
-              <a:t>4/9/2018</a:t>
+              <a:t>5/7/2018</a:t>
             </a:fld>
             <a:endParaRPr lang="en-US"/>
           </a:p>
@@ -2566,7 +2571,7 @@
           <a:p>
             <a:fld id="{C097F9B7-AC9E-4E27-A8B7-6B234F975BAC}" type="datetimeFigureOut">
               <a:rPr lang="en-US" smtClean="0"/>
-              <a:t>4/9/2018</a:t>
+              <a:t>5/7/2018</a:t>
             </a:fld>
             <a:endParaRPr lang="en-US"/>
           </a:p>
@@ -9530,6 +9535,39 @@
           </a:p>
         </p:txBody>
       </p:sp>
+      <p:cxnSp>
+        <p:nvCxnSpPr>
+          <p:cNvPr id="53" name="Straight Arrow Connector 52"/>
+          <p:cNvCxnSpPr/>
+          <p:nvPr/>
+        </p:nvCxnSpPr>
+        <p:spPr>
+          <a:xfrm>
+            <a:off x="3729557" y="752046"/>
+            <a:ext cx="1" cy="295564"/>
+          </a:xfrm>
+          <a:prstGeom prst="straightConnector1">
+            <a:avLst/>
+          </a:prstGeom>
+          <a:ln w="57150">
+            <a:tailEnd type="triangle"/>
+          </a:ln>
+        </p:spPr>
+        <p:style>
+          <a:lnRef idx="1">
+            <a:schemeClr val="accent2"/>
+          </a:lnRef>
+          <a:fillRef idx="0">
+            <a:schemeClr val="accent2"/>
+          </a:fillRef>
+          <a:effectRef idx="0">
+            <a:schemeClr val="accent2"/>
+          </a:effectRef>
+          <a:fontRef idx="minor">
+            <a:schemeClr val="tx1"/>
+          </a:fontRef>
+        </p:style>
+      </p:cxnSp>
     </p:spTree>
     <p:extLst>
       <p:ext uri="{BB962C8B-B14F-4D97-AF65-F5344CB8AC3E}">
@@ -9562,22 +9600,28 @@
       </p:grpSpPr>
       <p:pic>
         <p:nvPicPr>
-          <p:cNvPr id="2" name="Picture 1"/>
+          <p:cNvPr id="3" name="Picture 2" descr="Screen Clipping"/>
           <p:cNvPicPr>
             <a:picLocks noChangeAspect="1"/>
           </p:cNvPicPr>
           <p:nvPr/>
         </p:nvPicPr>
         <p:blipFill>
-          <a:blip r:embed="rId2"/>
+          <a:blip r:embed="rId2">
+            <a:extLst>
+              <a:ext uri="{28A0092B-C50C-407E-A947-70E740481C1C}">
+                <a14:useLocalDpi xmlns:a14="http://schemas.microsoft.com/office/drawing/2010/main" val="0"/>
+              </a:ext>
+            </a:extLst>
+          </a:blip>
           <a:stretch>
             <a:fillRect/>
           </a:stretch>
         </p:blipFill>
         <p:spPr>
           <a:xfrm>
-            <a:off x="2029615" y="682514"/>
-            <a:ext cx="8132769" cy="5492972"/>
+            <a:off x="524936" y="363395"/>
+            <a:ext cx="10149840" cy="6858000"/>
           </a:xfrm>
           <a:prstGeom prst="rect">
             <a:avLst/>
